--- a/projects/project 1/presentation.pptx
+++ b/projects/project 1/presentation.pptx
@@ -108,6 +108,11 @@
       </a:defRPr>
     </a:lvl9pPr>
   </p:defaultTextStyle>
+  <p:extLst>
+    <p:ext uri="{EFAFB233-063F-42B5-8137-9DF3F51BA10A}">
+      <p15:sldGuideLst xmlns:p15="http://schemas.microsoft.com/office/powerpoint/2012/main"/>
+    </p:ext>
+  </p:extLst>
 </p:presentation>
 </file>
 
@@ -337,7 +342,7 @@
           <a:p>
             <a:fld id="{C576BE43-2C9F-4B53-93A0-307B87B31D54}" type="datetimeFigureOut">
               <a:rPr lang="en-US" smtClean="0"/>
-              <a:t>7/11/2024</a:t>
+              <a:t>7/12/2024</a:t>
             </a:fld>
             <a:endParaRPr lang="en-US"/>
           </a:p>
@@ -545,7 +550,7 @@
           <a:p>
             <a:fld id="{C576BE43-2C9F-4B53-93A0-307B87B31D54}" type="datetimeFigureOut">
               <a:rPr lang="en-US" smtClean="0"/>
-              <a:t>7/11/2024</a:t>
+              <a:t>7/12/2024</a:t>
             </a:fld>
             <a:endParaRPr lang="en-US"/>
           </a:p>
@@ -801,7 +806,7 @@
           <a:p>
             <a:fld id="{C576BE43-2C9F-4B53-93A0-307B87B31D54}" type="datetimeFigureOut">
               <a:rPr lang="en-US" smtClean="0"/>
-              <a:t>7/11/2024</a:t>
+              <a:t>7/12/2024</a:t>
             </a:fld>
             <a:endParaRPr lang="en-US"/>
           </a:p>
@@ -975,7 +980,7 @@
           <a:p>
             <a:fld id="{C576BE43-2C9F-4B53-93A0-307B87B31D54}" type="datetimeFigureOut">
               <a:rPr lang="en-US" smtClean="0"/>
-              <a:t>7/11/2024</a:t>
+              <a:t>7/12/2024</a:t>
             </a:fld>
             <a:endParaRPr lang="en-US"/>
           </a:p>
@@ -1318,7 +1323,7 @@
           <a:p>
             <a:fld id="{C576BE43-2C9F-4B53-93A0-307B87B31D54}" type="datetimeFigureOut">
               <a:rPr lang="en-US" smtClean="0"/>
-              <a:t>7/11/2024</a:t>
+              <a:t>7/12/2024</a:t>
             </a:fld>
             <a:endParaRPr lang="en-US"/>
           </a:p>
@@ -1593,7 +1598,7 @@
           <a:p>
             <a:fld id="{C576BE43-2C9F-4B53-93A0-307B87B31D54}" type="datetimeFigureOut">
               <a:rPr lang="en-US" smtClean="0"/>
-              <a:t>7/11/2024</a:t>
+              <a:t>7/12/2024</a:t>
             </a:fld>
             <a:endParaRPr lang="en-US"/>
           </a:p>
@@ -1972,7 +1977,7 @@
           <a:p>
             <a:fld id="{C576BE43-2C9F-4B53-93A0-307B87B31D54}" type="datetimeFigureOut">
               <a:rPr lang="en-US" smtClean="0"/>
-              <a:t>7/11/2024</a:t>
+              <a:t>7/12/2024</a:t>
             </a:fld>
             <a:endParaRPr lang="en-US"/>
           </a:p>
@@ -2090,7 +2095,7 @@
           <a:p>
             <a:fld id="{C576BE43-2C9F-4B53-93A0-307B87B31D54}" type="datetimeFigureOut">
               <a:rPr lang="en-US" smtClean="0"/>
-              <a:t>7/11/2024</a:t>
+              <a:t>7/12/2024</a:t>
             </a:fld>
             <a:endParaRPr lang="en-US"/>
           </a:p>
@@ -2261,7 +2266,7 @@
           <a:p>
             <a:fld id="{C576BE43-2C9F-4B53-93A0-307B87B31D54}" type="datetimeFigureOut">
               <a:rPr lang="en-US" smtClean="0"/>
-              <a:t>7/11/2024</a:t>
+              <a:t>7/12/2024</a:t>
             </a:fld>
             <a:endParaRPr lang="en-US"/>
           </a:p>
@@ -2615,7 +2620,7 @@
           <a:p>
             <a:fld id="{C576BE43-2C9F-4B53-93A0-307B87B31D54}" type="datetimeFigureOut">
               <a:rPr lang="en-US" smtClean="0"/>
-              <a:t>7/11/2024</a:t>
+              <a:t>7/12/2024</a:t>
             </a:fld>
             <a:endParaRPr lang="en-US"/>
           </a:p>
@@ -2997,7 +3002,7 @@
           <a:p>
             <a:fld id="{C576BE43-2C9F-4B53-93A0-307B87B31D54}" type="datetimeFigureOut">
               <a:rPr lang="en-US" smtClean="0"/>
-              <a:t>7/11/2024</a:t>
+              <a:t>7/12/2024</a:t>
             </a:fld>
             <a:endParaRPr lang="en-US"/>
           </a:p>
@@ -3284,7 +3289,7 @@
           <a:p>
             <a:fld id="{C576BE43-2C9F-4B53-93A0-307B87B31D54}" type="datetimeFigureOut">
               <a:rPr lang="en-US" smtClean="0"/>
-              <a:t>7/11/2024</a:t>
+              <a:t>7/12/2024</a:t>
             </a:fld>
             <a:endParaRPr lang="en-US"/>
           </a:p>
@@ -4670,7 +4675,7 @@
             </a:pPr>
             <a:r>
               <a:rPr lang="en-US" dirty="0"/>
-              <a:t> 12 KB of data per fund per year</a:t>
+              <a:t> 12KB per fund per year</a:t>
             </a:r>
           </a:p>
         </p:txBody>
